--- a/docs/hw/hw3.22/Design.pptx
+++ b/docs/hw/hw3.22/Design.pptx
@@ -254,7 +254,7 @@
           <a:p>
             <a:fld id="{02E86B35-9ADF-42D5-B54D-6C72748423EF}" type="datetimeFigureOut">
               <a:rPr lang="zh-TW" altLang="en-US" smtClean="0"/>
-              <a:t>2017/3/28</a:t>
+              <a:t>2017/3/29</a:t>
             </a:fld>
             <a:endParaRPr lang="zh-TW" altLang="en-US"/>
           </a:p>
@@ -424,7 +424,7 @@
           <a:p>
             <a:fld id="{02E86B35-9ADF-42D5-B54D-6C72748423EF}" type="datetimeFigureOut">
               <a:rPr lang="zh-TW" altLang="en-US" smtClean="0"/>
-              <a:t>2017/3/28</a:t>
+              <a:t>2017/3/29</a:t>
             </a:fld>
             <a:endParaRPr lang="zh-TW" altLang="en-US"/>
           </a:p>
@@ -604,7 +604,7 @@
           <a:p>
             <a:fld id="{02E86B35-9ADF-42D5-B54D-6C72748423EF}" type="datetimeFigureOut">
               <a:rPr lang="zh-TW" altLang="en-US" smtClean="0"/>
-              <a:t>2017/3/28</a:t>
+              <a:t>2017/3/29</a:t>
             </a:fld>
             <a:endParaRPr lang="zh-TW" altLang="en-US"/>
           </a:p>
@@ -774,7 +774,7 @@
           <a:p>
             <a:fld id="{02E86B35-9ADF-42D5-B54D-6C72748423EF}" type="datetimeFigureOut">
               <a:rPr lang="zh-TW" altLang="en-US" smtClean="0"/>
-              <a:t>2017/3/28</a:t>
+              <a:t>2017/3/29</a:t>
             </a:fld>
             <a:endParaRPr lang="zh-TW" altLang="en-US"/>
           </a:p>
@@ -1018,7 +1018,7 @@
           <a:p>
             <a:fld id="{02E86B35-9ADF-42D5-B54D-6C72748423EF}" type="datetimeFigureOut">
               <a:rPr lang="zh-TW" altLang="en-US" smtClean="0"/>
-              <a:t>2017/3/28</a:t>
+              <a:t>2017/3/29</a:t>
             </a:fld>
             <a:endParaRPr lang="zh-TW" altLang="en-US"/>
           </a:p>
@@ -1250,7 +1250,7 @@
           <a:p>
             <a:fld id="{02E86B35-9ADF-42D5-B54D-6C72748423EF}" type="datetimeFigureOut">
               <a:rPr lang="zh-TW" altLang="en-US" smtClean="0"/>
-              <a:t>2017/3/28</a:t>
+              <a:t>2017/3/29</a:t>
             </a:fld>
             <a:endParaRPr lang="zh-TW" altLang="en-US"/>
           </a:p>
@@ -1617,7 +1617,7 @@
           <a:p>
             <a:fld id="{02E86B35-9ADF-42D5-B54D-6C72748423EF}" type="datetimeFigureOut">
               <a:rPr lang="zh-TW" altLang="en-US" smtClean="0"/>
-              <a:t>2017/3/28</a:t>
+              <a:t>2017/3/29</a:t>
             </a:fld>
             <a:endParaRPr lang="zh-TW" altLang="en-US"/>
           </a:p>
@@ -1735,7 +1735,7 @@
           <a:p>
             <a:fld id="{02E86B35-9ADF-42D5-B54D-6C72748423EF}" type="datetimeFigureOut">
               <a:rPr lang="zh-TW" altLang="en-US" smtClean="0"/>
-              <a:t>2017/3/28</a:t>
+              <a:t>2017/3/29</a:t>
             </a:fld>
             <a:endParaRPr lang="zh-TW" altLang="en-US"/>
           </a:p>
@@ -1830,7 +1830,7 @@
           <a:p>
             <a:fld id="{02E86B35-9ADF-42D5-B54D-6C72748423EF}" type="datetimeFigureOut">
               <a:rPr lang="zh-TW" altLang="en-US" smtClean="0"/>
-              <a:t>2017/3/28</a:t>
+              <a:t>2017/3/29</a:t>
             </a:fld>
             <a:endParaRPr lang="zh-TW" altLang="en-US"/>
           </a:p>
@@ -2107,7 +2107,7 @@
           <a:p>
             <a:fld id="{02E86B35-9ADF-42D5-B54D-6C72748423EF}" type="datetimeFigureOut">
               <a:rPr lang="zh-TW" altLang="en-US" smtClean="0"/>
-              <a:t>2017/3/28</a:t>
+              <a:t>2017/3/29</a:t>
             </a:fld>
             <a:endParaRPr lang="zh-TW" altLang="en-US"/>
           </a:p>
@@ -2364,7 +2364,7 @@
           <a:p>
             <a:fld id="{02E86B35-9ADF-42D5-B54D-6C72748423EF}" type="datetimeFigureOut">
               <a:rPr lang="zh-TW" altLang="en-US" smtClean="0"/>
-              <a:t>2017/3/28</a:t>
+              <a:t>2017/3/29</a:t>
             </a:fld>
             <a:endParaRPr lang="zh-TW" altLang="en-US"/>
           </a:p>
@@ -2577,7 +2577,7 @@
           <a:p>
             <a:fld id="{02E86B35-9ADF-42D5-B54D-6C72748423EF}" type="datetimeFigureOut">
               <a:rPr lang="zh-TW" altLang="en-US" smtClean="0"/>
-              <a:t>2017/3/28</a:t>
+              <a:t>2017/3/29</a:t>
             </a:fld>
             <a:endParaRPr lang="zh-TW" altLang="en-US"/>
           </a:p>
@@ -3375,7 +3375,7 @@
                 <a:r>
                   <a:rPr lang="en-US" altLang="zh-TW" sz="2800" dirty="0">
                     <a:solidFill>
-                      <a:srgbClr val="C00000"/>
+                      <a:srgbClr val="F9821F"/>
                     </a:solidFill>
                     <a:latin typeface="Bernard MT Condensed" panose="02050806060905020404" pitchFamily="18" charset="0"/>
                     <a:cs typeface="Arial" panose="020B0604020202020204" pitchFamily="34" charset="0"/>
@@ -3384,7 +3384,7 @@
                 </a:r>
                 <a:endParaRPr lang="zh-TW" altLang="en-US" sz="2800" dirty="0">
                   <a:solidFill>
-                    <a:srgbClr val="C00000"/>
+                    <a:srgbClr val="F9821F"/>
                   </a:solidFill>
                   <a:latin typeface="Bernard MT Condensed" panose="02050806060905020404" pitchFamily="18" charset="0"/>
                   <a:cs typeface="Arial" panose="020B0604020202020204" pitchFamily="34" charset="0"/>
@@ -3417,7 +3417,7 @@
                 <a:r>
                   <a:rPr lang="zh-TW" altLang="en-US" b="1" dirty="0">
                     <a:solidFill>
-                      <a:srgbClr val="CF141E"/>
+                      <a:srgbClr val="F9821F"/>
                     </a:solidFill>
                     <a:latin typeface="微軟正黑體" panose="020B0604030504040204" pitchFamily="34" charset="-120"/>
                     <a:ea typeface="微軟正黑體" panose="020B0604030504040204" pitchFamily="34" charset="-120"/>
@@ -3453,7 +3453,7 @@
                 <a:r>
                   <a:rPr lang="zh-TW" altLang="en-US" b="1" dirty="0">
                     <a:solidFill>
-                      <a:srgbClr val="C00000"/>
+                      <a:srgbClr val="F9821F"/>
                     </a:solidFill>
                     <a:latin typeface="微軟正黑體" panose="020B0604030504040204" pitchFamily="34" charset="-120"/>
                     <a:ea typeface="微軟正黑體" panose="020B0604030504040204" pitchFamily="34" charset="-120"/>
@@ -3489,7 +3489,7 @@
                 <a:r>
                   <a:rPr lang="zh-TW" altLang="en-US" b="1" dirty="0">
                     <a:solidFill>
-                      <a:srgbClr val="CF141E"/>
+                      <a:srgbClr val="F9821F"/>
                     </a:solidFill>
                     <a:latin typeface="微軟正黑體" panose="020B0604030504040204" pitchFamily="34" charset="-120"/>
                     <a:ea typeface="微軟正黑體" panose="020B0604030504040204" pitchFamily="34" charset="-120"/>
@@ -3525,7 +3525,7 @@
                 <a:r>
                   <a:rPr lang="zh-TW" altLang="en-US" b="1" dirty="0">
                     <a:solidFill>
-                      <a:srgbClr val="CF141E"/>
+                      <a:srgbClr val="F9821F"/>
                     </a:solidFill>
                     <a:latin typeface="微軟正黑體" panose="020B0604030504040204" pitchFamily="34" charset="-120"/>
                     <a:ea typeface="微軟正黑體" panose="020B0604030504040204" pitchFamily="34" charset="-120"/>
@@ -3561,7 +3561,7 @@
                 <a:r>
                   <a:rPr lang="zh-TW" altLang="en-US" b="1" dirty="0">
                     <a:solidFill>
-                      <a:srgbClr val="CF141E"/>
+                      <a:srgbClr val="F9821F"/>
                     </a:solidFill>
                     <a:latin typeface="微軟正黑體" panose="020B0604030504040204" pitchFamily="34" charset="-120"/>
                     <a:ea typeface="微軟正黑體" panose="020B0604030504040204" pitchFamily="34" charset="-120"/>
@@ -3603,160 +3603,6 @@
           </p:spPr>
         </p:pic>
       </p:grpSp>
-      <p:grpSp>
-        <p:nvGrpSpPr>
-          <p:cNvPr id="44" name="Play"/>
-          <p:cNvGrpSpPr/>
-          <p:nvPr/>
-        </p:nvGrpSpPr>
-        <p:grpSpPr>
-          <a:xfrm>
-            <a:off x="531796" y="2659571"/>
-            <a:ext cx="2966148" cy="1277051"/>
-            <a:chOff x="531796" y="2659571"/>
-            <a:chExt cx="2966148" cy="1277051"/>
-          </a:xfrm>
-        </p:grpSpPr>
-        <p:grpSp>
-          <p:nvGrpSpPr>
-            <p:cNvPr id="41" name="群組 40"/>
-            <p:cNvGrpSpPr/>
-            <p:nvPr/>
-          </p:nvGrpSpPr>
-          <p:grpSpPr>
-            <a:xfrm>
-              <a:off x="1108154" y="3584197"/>
-              <a:ext cx="1311196" cy="352425"/>
-              <a:chOff x="759537" y="3268838"/>
-              <a:chExt cx="1311196" cy="352425"/>
-            </a:xfrm>
-          </p:grpSpPr>
-          <p:sp>
-            <p:nvSpPr>
-              <p:cNvPr id="40" name="矩形: 圓角 39"/>
-              <p:cNvSpPr/>
-              <p:nvPr/>
-            </p:nvSpPr>
-            <p:spPr>
-              <a:xfrm>
-                <a:off x="759537" y="3268838"/>
-                <a:ext cx="1311196" cy="352425"/>
-              </a:xfrm>
-              <a:prstGeom prst="roundRect">
-                <a:avLst/>
-              </a:prstGeom>
-              <a:solidFill>
-                <a:srgbClr val="FFFFFF">
-                  <a:alpha val="0"/>
-                </a:srgbClr>
-              </a:solidFill>
-              <a:ln>
-                <a:solidFill>
-                  <a:srgbClr val="FF0000"/>
-                </a:solidFill>
-              </a:ln>
-            </p:spPr>
-            <p:style>
-              <a:lnRef idx="2">
-                <a:schemeClr val="accent1">
-                  <a:shade val="50000"/>
-                </a:schemeClr>
-              </a:lnRef>
-              <a:fillRef idx="1">
-                <a:schemeClr val="accent1"/>
-              </a:fillRef>
-              <a:effectRef idx="0">
-                <a:schemeClr val="accent1"/>
-              </a:effectRef>
-              <a:fontRef idx="minor">
-                <a:schemeClr val="lt1"/>
-              </a:fontRef>
-            </p:style>
-            <p:txBody>
-              <a:bodyPr rtlCol="0" anchor="ctr"/>
-              <a:lstStyle/>
-              <a:p>
-                <a:pPr algn="ctr"/>
-                <a:r>
-                  <a:rPr lang="zh-TW" altLang="en-US" sz="1600" dirty="0">
-                    <a:solidFill>
-                      <a:srgbClr val="C00000"/>
-                    </a:solidFill>
-                    <a:latin typeface="微軟正黑體" panose="020B0604030504040204" pitchFamily="34" charset="-120"/>
-                    <a:ea typeface="微軟正黑體" panose="020B0604030504040204" pitchFamily="34" charset="-120"/>
-                  </a:rPr>
-                  <a:t>     觀看表演</a:t>
-                </a:r>
-              </a:p>
-            </p:txBody>
-          </p:sp>
-          <p:pic>
-            <p:nvPicPr>
-              <p:cNvPr id="46" name="圖片 45"/>
-              <p:cNvPicPr>
-                <a:picLocks noChangeAspect="1"/>
-              </p:cNvPicPr>
-              <p:nvPr/>
-            </p:nvPicPr>
-            <p:blipFill>
-              <a:blip r:embed="rId10">
-                <a:extLst>
-                  <a:ext uri="{28A0092B-C50C-407E-A947-70E740481C1C}">
-                    <a14:useLocalDpi xmlns:a14="http://schemas.microsoft.com/office/drawing/2010/main" val="0"/>
-                  </a:ext>
-                </a:extLst>
-              </a:blip>
-              <a:stretch>
-                <a:fillRect/>
-              </a:stretch>
-            </p:blipFill>
-            <p:spPr>
-              <a:xfrm>
-                <a:off x="839420" y="3326597"/>
-                <a:ext cx="236905" cy="236905"/>
-              </a:xfrm>
-              <a:prstGeom prst="rect">
-                <a:avLst/>
-              </a:prstGeom>
-            </p:spPr>
-          </p:pic>
-        </p:grpSp>
-        <p:sp>
-          <p:nvSpPr>
-            <p:cNvPr id="42" name="文字方塊 41"/>
-            <p:cNvSpPr txBox="1"/>
-            <p:nvPr/>
-          </p:nvSpPr>
-          <p:spPr>
-            <a:xfrm>
-              <a:off x="531796" y="2659571"/>
-              <a:ext cx="2966148" cy="523220"/>
-            </a:xfrm>
-            <a:prstGeom prst="rect">
-              <a:avLst/>
-            </a:prstGeom>
-            <a:noFill/>
-          </p:spPr>
-          <p:txBody>
-            <a:bodyPr wrap="square" rtlCol="0">
-              <a:spAutoFit/>
-            </a:bodyPr>
-            <a:lstStyle/>
-            <a:p>
-              <a:r>
-                <a:rPr lang="zh-TW" altLang="en-US" sz="1400" dirty="0">
-                  <a:solidFill>
-                    <a:srgbClr val="C00000"/>
-                  </a:solidFill>
-                  <a:latin typeface="微軟正黑體" panose="020B0604030504040204" pitchFamily="34" charset="-120"/>
-                  <a:ea typeface="微軟正黑體" panose="020B0604030504040204" pitchFamily="34" charset="-120"/>
-                </a:rPr>
-                <a:t>假如表演之路是一座山，那我肯定還在攀，只是火焰跑的比較快。</a:t>
-              </a:r>
-            </a:p>
-          </p:txBody>
-        </p:sp>
-      </p:grpSp>
       <p:sp>
         <p:nvSpPr>
           <p:cNvPr id="47" name="文字方塊 46"/>
@@ -4361,7 +4207,7 @@
           <p:nvPr/>
         </p:nvPicPr>
         <p:blipFill>
-          <a:blip r:embed="rId11">
+          <a:blip r:embed="rId10">
             <a:extLst>
               <a:ext uri="{28A0092B-C50C-407E-A947-70E740481C1C}">
                 <a14:useLocalDpi xmlns:a14="http://schemas.microsoft.com/office/drawing/2010/main" val="0"/>
@@ -4391,7 +4237,7 @@
           <p:nvPr/>
         </p:nvPicPr>
         <p:blipFill>
-          <a:blip r:embed="rId12">
+          <a:blip r:embed="rId11">
             <a:extLst>
               <a:ext uri="{28A0092B-C50C-407E-A947-70E740481C1C}">
                 <a14:useLocalDpi xmlns:a14="http://schemas.microsoft.com/office/drawing/2010/main" val="0"/>
@@ -4421,7 +4267,7 @@
           <p:nvPr/>
         </p:nvPicPr>
         <p:blipFill>
-          <a:blip r:embed="rId13">
+          <a:blip r:embed="rId12">
             <a:extLst>
               <a:ext uri="{28A0092B-C50C-407E-A947-70E740481C1C}">
                 <a14:useLocalDpi xmlns:a14="http://schemas.microsoft.com/office/drawing/2010/main" val="0"/>
@@ -4556,6 +4402,165 @@
           </a:p>
         </p:txBody>
       </p:sp>
+      <p:grpSp>
+        <p:nvGrpSpPr>
+          <p:cNvPr id="8" name="群組 7"/>
+          <p:cNvGrpSpPr/>
+          <p:nvPr/>
+        </p:nvGrpSpPr>
+        <p:grpSpPr>
+          <a:xfrm>
+            <a:off x="531796" y="2364199"/>
+            <a:ext cx="3464204" cy="1276482"/>
+            <a:chOff x="531796" y="2659571"/>
+            <a:chExt cx="3125804" cy="1276482"/>
+          </a:xfrm>
+        </p:grpSpPr>
+        <p:sp>
+          <p:nvSpPr>
+            <p:cNvPr id="42" name="文字方塊 41"/>
+            <p:cNvSpPr txBox="1"/>
+            <p:nvPr/>
+          </p:nvSpPr>
+          <p:spPr>
+            <a:xfrm>
+              <a:off x="531796" y="2659571"/>
+              <a:ext cx="3125804" cy="785728"/>
+            </a:xfrm>
+            <a:prstGeom prst="rect">
+              <a:avLst/>
+            </a:prstGeom>
+            <a:noFill/>
+          </p:spPr>
+          <p:txBody>
+            <a:bodyPr wrap="square" rtlCol="0">
+              <a:spAutoFit/>
+            </a:bodyPr>
+            <a:lstStyle/>
+            <a:p>
+              <a:pPr>
+                <a:lnSpc>
+                  <a:spcPct val="150000"/>
+                </a:lnSpc>
+              </a:pPr>
+              <a:r>
+                <a:rPr lang="zh-TW" altLang="en-US" sz="1600" dirty="0">
+                  <a:solidFill>
+                    <a:srgbClr val="F9821F"/>
+                  </a:solidFill>
+                  <a:latin typeface="微軟正黑體" panose="020B0604030504040204" pitchFamily="34" charset="-120"/>
+                  <a:ea typeface="微軟正黑體" panose="020B0604030504040204" pitchFamily="34" charset="-120"/>
+                </a:rPr>
+                <a:t>假如表演之路是一座山，那我肯定還在攀，只是火焰跑的比較快。</a:t>
+              </a:r>
+            </a:p>
+          </p:txBody>
+        </p:sp>
+        <p:grpSp>
+          <p:nvGrpSpPr>
+            <p:cNvPr id="4" name="群組 3"/>
+            <p:cNvGrpSpPr/>
+            <p:nvPr/>
+          </p:nvGrpSpPr>
+          <p:grpSpPr>
+            <a:xfrm>
+              <a:off x="627626" y="3583628"/>
+              <a:ext cx="1311196" cy="352425"/>
+              <a:chOff x="627626" y="3583628"/>
+              <a:chExt cx="1311196" cy="352425"/>
+            </a:xfrm>
+          </p:grpSpPr>
+          <p:sp>
+            <p:nvSpPr>
+              <p:cNvPr id="40" name="矩形: 圓角 39"/>
+              <p:cNvSpPr/>
+              <p:nvPr/>
+            </p:nvSpPr>
+            <p:spPr>
+              <a:xfrm>
+                <a:off x="627626" y="3583628"/>
+                <a:ext cx="1311196" cy="352425"/>
+              </a:xfrm>
+              <a:prstGeom prst="roundRect">
+                <a:avLst/>
+              </a:prstGeom>
+              <a:solidFill>
+                <a:srgbClr val="FFFFFF">
+                  <a:alpha val="0"/>
+                </a:srgbClr>
+              </a:solidFill>
+              <a:ln>
+                <a:solidFill>
+                  <a:srgbClr val="F9821F"/>
+                </a:solidFill>
+              </a:ln>
+            </p:spPr>
+            <p:style>
+              <a:lnRef idx="2">
+                <a:schemeClr val="accent1">
+                  <a:shade val="50000"/>
+                </a:schemeClr>
+              </a:lnRef>
+              <a:fillRef idx="1">
+                <a:schemeClr val="accent1"/>
+              </a:fillRef>
+              <a:effectRef idx="0">
+                <a:schemeClr val="accent1"/>
+              </a:effectRef>
+              <a:fontRef idx="minor">
+                <a:schemeClr val="lt1"/>
+              </a:fontRef>
+            </p:style>
+            <p:txBody>
+              <a:bodyPr rtlCol="0" anchor="ctr"/>
+              <a:lstStyle/>
+              <a:p>
+                <a:pPr algn="ctr"/>
+                <a:r>
+                  <a:rPr lang="zh-TW" altLang="en-US" sz="1600" dirty="0">
+                    <a:solidFill>
+                      <a:srgbClr val="F9821F"/>
+                    </a:solidFill>
+                    <a:latin typeface="微軟正黑體" panose="020B0604030504040204" pitchFamily="34" charset="-120"/>
+                    <a:ea typeface="微軟正黑體" panose="020B0604030504040204" pitchFamily="34" charset="-120"/>
+                  </a:rPr>
+                  <a:t>     觀看表演</a:t>
+                </a:r>
+              </a:p>
+            </p:txBody>
+          </p:sp>
+          <p:pic>
+            <p:nvPicPr>
+              <p:cNvPr id="3" name="圖片 2"/>
+              <p:cNvPicPr>
+                <a:picLocks noChangeAspect="1"/>
+              </p:cNvPicPr>
+              <p:nvPr/>
+            </p:nvPicPr>
+            <p:blipFill>
+              <a:blip r:embed="rId13">
+                <a:extLst>
+                  <a:ext uri="{28A0092B-C50C-407E-A947-70E740481C1C}">
+                    <a14:useLocalDpi xmlns:a14="http://schemas.microsoft.com/office/drawing/2010/main" val="0"/>
+                  </a:ext>
+                </a:extLst>
+              </a:blip>
+              <a:stretch>
+                <a:fillRect/>
+              </a:stretch>
+            </p:blipFill>
+            <p:spPr>
+              <a:xfrm>
+                <a:off x="730290" y="3644153"/>
+                <a:ext cx="235778" cy="235778"/>
+              </a:xfrm>
+              <a:prstGeom prst="rect">
+                <a:avLst/>
+              </a:prstGeom>
+            </p:spPr>
+          </p:pic>
+        </p:grpSp>
+      </p:grpSp>
     </p:spTree>
     <p:extLst>
       <p:ext uri="{BB962C8B-B14F-4D97-AF65-F5344CB8AC3E}">
